--- a/Validador de CPF.pptx
+++ b/Validador de CPF.pptx
@@ -249,7 +249,7 @@
           <a:p>
             <a:fld id="{14DF242A-38CB-423F-A31B-8E65115BB937}" type="datetimeFigureOut">
               <a:rPr lang="pt-BR" smtClean="0"/>
-              <a:t>25/11/2022</a:t>
+              <a:t>02/12/2022</a:t>
             </a:fld>
             <a:endParaRPr lang="pt-BR"/>
           </a:p>
@@ -419,7 +419,7 @@
           <a:p>
             <a:fld id="{14DF242A-38CB-423F-A31B-8E65115BB937}" type="datetimeFigureOut">
               <a:rPr lang="pt-BR" smtClean="0"/>
-              <a:t>25/11/2022</a:t>
+              <a:t>02/12/2022</a:t>
             </a:fld>
             <a:endParaRPr lang="pt-BR"/>
           </a:p>
@@ -599,7 +599,7 @@
           <a:p>
             <a:fld id="{14DF242A-38CB-423F-A31B-8E65115BB937}" type="datetimeFigureOut">
               <a:rPr lang="pt-BR" smtClean="0"/>
-              <a:t>25/11/2022</a:t>
+              <a:t>02/12/2022</a:t>
             </a:fld>
             <a:endParaRPr lang="pt-BR"/>
           </a:p>
@@ -769,7 +769,7 @@
           <a:p>
             <a:fld id="{14DF242A-38CB-423F-A31B-8E65115BB937}" type="datetimeFigureOut">
               <a:rPr lang="pt-BR" smtClean="0"/>
-              <a:t>25/11/2022</a:t>
+              <a:t>02/12/2022</a:t>
             </a:fld>
             <a:endParaRPr lang="pt-BR"/>
           </a:p>
@@ -1015,7 +1015,7 @@
           <a:p>
             <a:fld id="{14DF242A-38CB-423F-A31B-8E65115BB937}" type="datetimeFigureOut">
               <a:rPr lang="pt-BR" smtClean="0"/>
-              <a:t>25/11/2022</a:t>
+              <a:t>02/12/2022</a:t>
             </a:fld>
             <a:endParaRPr lang="pt-BR"/>
           </a:p>
@@ -1247,7 +1247,7 @@
           <a:p>
             <a:fld id="{14DF242A-38CB-423F-A31B-8E65115BB937}" type="datetimeFigureOut">
               <a:rPr lang="pt-BR" smtClean="0"/>
-              <a:t>25/11/2022</a:t>
+              <a:t>02/12/2022</a:t>
             </a:fld>
             <a:endParaRPr lang="pt-BR"/>
           </a:p>
@@ -1614,7 +1614,7 @@
           <a:p>
             <a:fld id="{14DF242A-38CB-423F-A31B-8E65115BB937}" type="datetimeFigureOut">
               <a:rPr lang="pt-BR" smtClean="0"/>
-              <a:t>25/11/2022</a:t>
+              <a:t>02/12/2022</a:t>
             </a:fld>
             <a:endParaRPr lang="pt-BR"/>
           </a:p>
@@ -1732,7 +1732,7 @@
           <a:p>
             <a:fld id="{14DF242A-38CB-423F-A31B-8E65115BB937}" type="datetimeFigureOut">
               <a:rPr lang="pt-BR" smtClean="0"/>
-              <a:t>25/11/2022</a:t>
+              <a:t>02/12/2022</a:t>
             </a:fld>
             <a:endParaRPr lang="pt-BR"/>
           </a:p>
@@ -1827,7 +1827,7 @@
           <a:p>
             <a:fld id="{14DF242A-38CB-423F-A31B-8E65115BB937}" type="datetimeFigureOut">
               <a:rPr lang="pt-BR" smtClean="0"/>
-              <a:t>25/11/2022</a:t>
+              <a:t>02/12/2022</a:t>
             </a:fld>
             <a:endParaRPr lang="pt-BR"/>
           </a:p>
@@ -2104,7 +2104,7 @@
           <a:p>
             <a:fld id="{14DF242A-38CB-423F-A31B-8E65115BB937}" type="datetimeFigureOut">
               <a:rPr lang="pt-BR" smtClean="0"/>
-              <a:t>25/11/2022</a:t>
+              <a:t>02/12/2022</a:t>
             </a:fld>
             <a:endParaRPr lang="pt-BR"/>
           </a:p>
@@ -2361,7 +2361,7 @@
           <a:p>
             <a:fld id="{14DF242A-38CB-423F-A31B-8E65115BB937}" type="datetimeFigureOut">
               <a:rPr lang="pt-BR" smtClean="0"/>
-              <a:t>25/11/2022</a:t>
+              <a:t>02/12/2022</a:t>
             </a:fld>
             <a:endParaRPr lang="pt-BR"/>
           </a:p>
@@ -2574,7 +2574,7 @@
           <a:p>
             <a:fld id="{14DF242A-38CB-423F-A31B-8E65115BB937}" type="datetimeFigureOut">
               <a:rPr lang="pt-BR" smtClean="0"/>
-              <a:t>25/11/2022</a:t>
+              <a:t>02/12/2022</a:t>
             </a:fld>
             <a:endParaRPr lang="pt-BR"/>
           </a:p>
@@ -3050,7 +3050,7 @@
         <p:spPr>
           <a:xfrm>
             <a:off x="463827" y="4888468"/>
-            <a:ext cx="4479234" cy="369332"/>
+            <a:ext cx="4479234" cy="646331"/>
           </a:xfrm>
           <a:prstGeom prst="rect">
             <a:avLst/>
@@ -3073,7 +3073,7 @@
             </a:r>
             <a:r>
               <a:rPr lang="pt-BR" b="1" dirty="0"/>
-              <a:t> e Stevan Augusto</a:t>
+              <a:t>, Stevan Augusto e Henrique Machado</a:t>
             </a:r>
           </a:p>
         </p:txBody>
